--- a/PBR_光照原理.pptx
+++ b/PBR_光照原理.pptx
@@ -21,6 +21,11 @@
     <p:sldId id="269" r:id="rId15"/>
     <p:sldId id="270" r:id="rId16"/>
     <p:sldId id="271" r:id="rId17"/>
+    <p:sldId id="273" r:id="rId18"/>
+    <p:sldId id="272" r:id="rId19"/>
+    <p:sldId id="274" r:id="rId20"/>
+    <p:sldId id="275" r:id="rId21"/>
+    <p:sldId id="276" r:id="rId22"/>
   </p:sldIdLst>
   <p:sldSz cx="12192000" cy="6858000"/>
   <p:notesSz cx="6858000" cy="9144000"/>
@@ -119,6 +124,11 @@
       </a:defRPr>
     </a:lvl9pPr>
   </p:defaultTextStyle>
+  <p:extLst>
+    <p:ext uri="{EFAFB233-063F-42B5-8137-9DF3F51BA10A}">
+      <p15:sldGuideLst xmlns:p15="http://schemas.microsoft.com/office/powerpoint/2012/main"/>
+    </p:ext>
+  </p:extLst>
 </p:presentation>
 </file>
 
@@ -271,7 +281,7 @@
           <a:p>
             <a:fld id="{CCE380FF-69C5-478D-A5B9-B74923834E6A}" type="datetimeFigureOut">
               <a:rPr lang="zh-CN" altLang="en-US" smtClean="0"/>
-              <a:t>2023/5/12</a:t>
+              <a:t>2023-05-14</a:t>
             </a:fld>
             <a:endParaRPr lang="zh-CN" altLang="en-US"/>
           </a:p>
@@ -471,7 +481,7 @@
           <a:p>
             <a:fld id="{CCE380FF-69C5-478D-A5B9-B74923834E6A}" type="datetimeFigureOut">
               <a:rPr lang="zh-CN" altLang="en-US" smtClean="0"/>
-              <a:t>2023/5/12</a:t>
+              <a:t>2023-05-14</a:t>
             </a:fld>
             <a:endParaRPr lang="zh-CN" altLang="en-US"/>
           </a:p>
@@ -681,7 +691,7 @@
           <a:p>
             <a:fld id="{CCE380FF-69C5-478D-A5B9-B74923834E6A}" type="datetimeFigureOut">
               <a:rPr lang="zh-CN" altLang="en-US" smtClean="0"/>
-              <a:t>2023/5/12</a:t>
+              <a:t>2023-05-14</a:t>
             </a:fld>
             <a:endParaRPr lang="zh-CN" altLang="en-US"/>
           </a:p>
@@ -881,7 +891,7 @@
           <a:p>
             <a:fld id="{CCE380FF-69C5-478D-A5B9-B74923834E6A}" type="datetimeFigureOut">
               <a:rPr lang="zh-CN" altLang="en-US" smtClean="0"/>
-              <a:t>2023/5/12</a:t>
+              <a:t>2023-05-14</a:t>
             </a:fld>
             <a:endParaRPr lang="zh-CN" altLang="en-US"/>
           </a:p>
@@ -1157,7 +1167,7 @@
           <a:p>
             <a:fld id="{CCE380FF-69C5-478D-A5B9-B74923834E6A}" type="datetimeFigureOut">
               <a:rPr lang="zh-CN" altLang="en-US" smtClean="0"/>
-              <a:t>2023/5/12</a:t>
+              <a:t>2023-05-14</a:t>
             </a:fld>
             <a:endParaRPr lang="zh-CN" altLang="en-US"/>
           </a:p>
@@ -1425,7 +1435,7 @@
           <a:p>
             <a:fld id="{CCE380FF-69C5-478D-A5B9-B74923834E6A}" type="datetimeFigureOut">
               <a:rPr lang="zh-CN" altLang="en-US" smtClean="0"/>
-              <a:t>2023/5/12</a:t>
+              <a:t>2023-05-14</a:t>
             </a:fld>
             <a:endParaRPr lang="zh-CN" altLang="en-US"/>
           </a:p>
@@ -1840,7 +1850,7 @@
           <a:p>
             <a:fld id="{CCE380FF-69C5-478D-A5B9-B74923834E6A}" type="datetimeFigureOut">
               <a:rPr lang="zh-CN" altLang="en-US" smtClean="0"/>
-              <a:t>2023/5/12</a:t>
+              <a:t>2023-05-14</a:t>
             </a:fld>
             <a:endParaRPr lang="zh-CN" altLang="en-US"/>
           </a:p>
@@ -1982,7 +1992,7 @@
           <a:p>
             <a:fld id="{CCE380FF-69C5-478D-A5B9-B74923834E6A}" type="datetimeFigureOut">
               <a:rPr lang="zh-CN" altLang="en-US" smtClean="0"/>
-              <a:t>2023/5/12</a:t>
+              <a:t>2023-05-14</a:t>
             </a:fld>
             <a:endParaRPr lang="zh-CN" altLang="en-US"/>
           </a:p>
@@ -2095,7 +2105,7 @@
           <a:p>
             <a:fld id="{CCE380FF-69C5-478D-A5B9-B74923834E6A}" type="datetimeFigureOut">
               <a:rPr lang="zh-CN" altLang="en-US" smtClean="0"/>
-              <a:t>2023/5/12</a:t>
+              <a:t>2023-05-14</a:t>
             </a:fld>
             <a:endParaRPr lang="zh-CN" altLang="en-US"/>
           </a:p>
@@ -2408,7 +2418,7 @@
           <a:p>
             <a:fld id="{CCE380FF-69C5-478D-A5B9-B74923834E6A}" type="datetimeFigureOut">
               <a:rPr lang="zh-CN" altLang="en-US" smtClean="0"/>
-              <a:t>2023/5/12</a:t>
+              <a:t>2023-05-14</a:t>
             </a:fld>
             <a:endParaRPr lang="zh-CN" altLang="en-US"/>
           </a:p>
@@ -2697,7 +2707,7 @@
           <a:p>
             <a:fld id="{CCE380FF-69C5-478D-A5B9-B74923834E6A}" type="datetimeFigureOut">
               <a:rPr lang="zh-CN" altLang="en-US" smtClean="0"/>
-              <a:t>2023/5/12</a:t>
+              <a:t>2023-05-14</a:t>
             </a:fld>
             <a:endParaRPr lang="zh-CN" altLang="en-US"/>
           </a:p>
@@ -2940,7 +2950,7 @@
           <a:p>
             <a:fld id="{CCE380FF-69C5-478D-A5B9-B74923834E6A}" type="datetimeFigureOut">
               <a:rPr lang="zh-CN" altLang="en-US" smtClean="0"/>
-              <a:t>2023/5/12</a:t>
+              <a:t>2023-05-14</a:t>
             </a:fld>
             <a:endParaRPr lang="zh-CN" altLang="en-US"/>
           </a:p>
@@ -3616,8 +3626,8 @@
           </a:p>
         </p:txBody>
       </p:sp>
-      <mc:AlternateContent xmlns:mc="http://schemas.openxmlformats.org/markup-compatibility/2006">
-        <mc:Choice xmlns:a14="http://schemas.microsoft.com/office/drawing/2010/main" Requires="a14">
+      <mc:AlternateContent xmlns:mc="http://schemas.openxmlformats.org/markup-compatibility/2006" xmlns:a14="http://schemas.microsoft.com/office/drawing/2010/main">
+        <mc:Choice Requires="a14">
           <p:sp>
             <p:nvSpPr>
               <p:cNvPr id="3" name="Content Placeholder 2">
@@ -3972,7 +3982,7 @@
             </p:txBody>
           </p:sp>
         </mc:Choice>
-        <mc:Fallback>
+        <mc:Fallback xmlns="">
           <p:sp>
             <p:nvSpPr>
               <p:cNvPr id="3" name="Content Placeholder 2">
@@ -4107,8 +4117,8 @@
           </a:p>
         </p:txBody>
       </p:sp>
-      <mc:AlternateContent xmlns:mc="http://schemas.openxmlformats.org/markup-compatibility/2006">
-        <mc:Choice xmlns:a14="http://schemas.microsoft.com/office/drawing/2010/main" Requires="a14">
+      <mc:AlternateContent xmlns:mc="http://schemas.openxmlformats.org/markup-compatibility/2006" xmlns:a14="http://schemas.microsoft.com/office/drawing/2010/main">
+        <mc:Choice Requires="a14">
           <p:sp>
             <p:nvSpPr>
               <p:cNvPr id="3" name="Content Placeholder 2">
@@ -4512,7 +4522,7 @@
             </p:txBody>
           </p:sp>
         </mc:Choice>
-        <mc:Fallback>
+        <mc:Fallback xmlns="">
           <p:sp>
             <p:nvSpPr>
               <p:cNvPr id="3" name="Content Placeholder 2">
@@ -4611,8 +4621,8 @@
           </a:p>
         </p:txBody>
       </p:sp>
-      <mc:AlternateContent xmlns:mc="http://schemas.openxmlformats.org/markup-compatibility/2006">
-        <mc:Choice xmlns:a14="http://schemas.microsoft.com/office/drawing/2010/main" Requires="a14">
+      <mc:AlternateContent xmlns:mc="http://schemas.openxmlformats.org/markup-compatibility/2006" xmlns:a14="http://schemas.microsoft.com/office/drawing/2010/main">
+        <mc:Choice Requires="a14">
           <p:sp>
             <p:nvSpPr>
               <p:cNvPr id="3" name="Content Placeholder 2">
@@ -5005,7 +5015,7 @@
             </p:txBody>
           </p:sp>
         </mc:Choice>
-        <mc:Fallback>
+        <mc:Fallback xmlns="">
           <p:sp>
             <p:nvSpPr>
               <p:cNvPr id="3" name="Content Placeholder 2">
@@ -5156,8 +5166,8 @@
           </a:p>
         </p:txBody>
       </p:sp>
-      <mc:AlternateContent xmlns:mc="http://schemas.openxmlformats.org/markup-compatibility/2006">
-        <mc:Choice xmlns:a14="http://schemas.microsoft.com/office/drawing/2010/main" Requires="a14">
+      <mc:AlternateContent xmlns:mc="http://schemas.openxmlformats.org/markup-compatibility/2006" xmlns:a14="http://schemas.microsoft.com/office/drawing/2010/main">
+        <mc:Choice Requires="a14">
           <p:sp>
             <p:nvSpPr>
               <p:cNvPr id="3" name="Content Placeholder 2">
@@ -5554,7 +5564,7 @@
             </p:txBody>
           </p:sp>
         </mc:Choice>
-        <mc:Fallback>
+        <mc:Fallback xmlns="">
           <p:sp>
             <p:nvSpPr>
               <p:cNvPr id="3" name="Content Placeholder 2">
@@ -5725,8 +5735,8 @@
           </a:p>
         </p:txBody>
       </p:sp>
-      <mc:AlternateContent xmlns:mc="http://schemas.openxmlformats.org/markup-compatibility/2006">
-        <mc:Choice xmlns:a14="http://schemas.microsoft.com/office/drawing/2010/main" Requires="a14">
+      <mc:AlternateContent xmlns:mc="http://schemas.openxmlformats.org/markup-compatibility/2006" xmlns:a14="http://schemas.microsoft.com/office/drawing/2010/main">
+        <mc:Choice Requires="a14">
           <p:sp>
             <p:nvSpPr>
               <p:cNvPr id="3" name="Content Placeholder 2">
@@ -6084,7 +6094,7 @@
             </p:txBody>
           </p:sp>
         </mc:Choice>
-        <mc:Fallback>
+        <mc:Fallback xmlns="">
           <p:sp>
             <p:nvSpPr>
               <p:cNvPr id="3" name="Content Placeholder 2">
@@ -6182,8 +6192,8 @@
           </a:p>
         </p:txBody>
       </p:sp>
-      <mc:AlternateContent xmlns:mc="http://schemas.openxmlformats.org/markup-compatibility/2006">
-        <mc:Choice xmlns:a14="http://schemas.microsoft.com/office/drawing/2010/main" Requires="a14">
+      <mc:AlternateContent xmlns:mc="http://schemas.openxmlformats.org/markup-compatibility/2006" xmlns:a14="http://schemas.microsoft.com/office/drawing/2010/main">
+        <mc:Choice Requires="a14">
           <p:sp>
             <p:nvSpPr>
               <p:cNvPr id="3" name="Content Placeholder 2">
@@ -6566,14 +6576,10 @@
                 <a:pPr lvl="2"/>
                 <a:r>
                   <a:rPr lang="zh-CN" altLang="en-US" dirty="0"/>
-                  <a:t>对于动态物</a:t>
+                  <a:t>对于动态物体，以</a:t>
                 </a:r>
                 <a:r>
-                  <a:rPr lang="zh-CN" altLang="en-US"/>
-                  <a:t>体，以</a:t>
-                </a:r>
-                <a:r>
-                  <a:rPr lang="en-US" altLang="zh-CN"/>
+                  <a:rPr lang="en-US" altLang="zh-CN" dirty="0"/>
                   <a:t>IBL</a:t>
                 </a:r>
                 <a:r>
@@ -6585,7 +6591,7 @@
             </p:txBody>
           </p:sp>
         </mc:Choice>
-        <mc:Fallback>
+        <mc:Fallback xmlns="">
           <p:sp>
             <p:nvSpPr>
               <p:cNvPr id="3" name="Content Placeholder 2">
@@ -6638,6 +6644,361 @@
 </p:sld>
 </file>
 
+<file path=ppt/slides/slide17.xml><?xml version="1.0" encoding="utf-8"?>
+<p:sld xmlns:a="http://schemas.openxmlformats.org/drawingml/2006/main" xmlns:r="http://schemas.openxmlformats.org/officeDocument/2006/relationships" xmlns:p="http://schemas.openxmlformats.org/presentationml/2006/main">
+  <p:cSld>
+    <p:spTree>
+      <p:nvGrpSpPr>
+        <p:cNvPr id="1" name=""/>
+        <p:cNvGrpSpPr/>
+        <p:nvPr/>
+      </p:nvGrpSpPr>
+      <p:grpSpPr>
+        <a:xfrm>
+          <a:off x="0" y="0"/>
+          <a:ext cx="0" cy="0"/>
+          <a:chOff x="0" y="0"/>
+          <a:chExt cx="0" cy="0"/>
+        </a:xfrm>
+      </p:grpSpPr>
+      <p:sp>
+        <p:nvSpPr>
+          <p:cNvPr id="2" name="标题 1"/>
+          <p:cNvSpPr>
+            <a:spLocks noGrp="1"/>
+          </p:cNvSpPr>
+          <p:nvPr>
+            <p:ph type="title"/>
+          </p:nvPr>
+        </p:nvSpPr>
+        <p:spPr/>
+        <p:txBody>
+          <a:bodyPr/>
+          <a:lstStyle/>
+          <a:p>
+            <a:r>
+              <a:rPr lang="en-US" altLang="zh-CN" dirty="0" smtClean="0"/>
+              <a:t>Ambient Occlusion</a:t>
+            </a:r>
+            <a:endParaRPr lang="zh-CN" altLang="en-US" dirty="0"/>
+          </a:p>
+        </p:txBody>
+      </p:sp>
+      <p:sp>
+        <p:nvSpPr>
+          <p:cNvPr id="3" name="内容占位符 2"/>
+          <p:cNvSpPr>
+            <a:spLocks noGrp="1"/>
+          </p:cNvSpPr>
+          <p:nvPr>
+            <p:ph idx="1"/>
+          </p:nvPr>
+        </p:nvSpPr>
+        <p:spPr/>
+        <p:txBody>
+          <a:bodyPr/>
+          <a:lstStyle/>
+          <a:p>
+            <a:r>
+              <a:rPr lang="zh-CN" altLang="en-US" dirty="0" smtClean="0"/>
+              <a:t>增加细节，主要影响的是间接光，调整不同位置间接光的强度</a:t>
+            </a:r>
+            <a:endParaRPr lang="zh-CN" altLang="en-US" dirty="0"/>
+          </a:p>
+        </p:txBody>
+      </p:sp>
+      <p:pic>
+        <p:nvPicPr>
+          <p:cNvPr id="5" name="图片 4"/>
+          <p:cNvPicPr>
+            <a:picLocks noChangeAspect="1"/>
+          </p:cNvPicPr>
+          <p:nvPr/>
+        </p:nvPicPr>
+        <p:blipFill>
+          <a:blip r:embed="rId2">
+            <a:extLst>
+              <a:ext uri="{28A0092B-C50C-407E-A947-70E740481C1C}">
+                <a14:useLocalDpi xmlns:a14="http://schemas.microsoft.com/office/drawing/2010/main" val="0"/>
+              </a:ext>
+            </a:extLst>
+          </a:blip>
+          <a:stretch>
+            <a:fillRect/>
+          </a:stretch>
+        </p:blipFill>
+        <p:spPr>
+          <a:xfrm>
+            <a:off x="1760383" y="2354894"/>
+            <a:ext cx="6719738" cy="4198719"/>
+          </a:xfrm>
+          <a:prstGeom prst="rect">
+            <a:avLst/>
+          </a:prstGeom>
+        </p:spPr>
+      </p:pic>
+    </p:spTree>
+    <p:extLst>
+      <p:ext uri="{BB962C8B-B14F-4D97-AF65-F5344CB8AC3E}">
+        <p14:creationId xmlns:p14="http://schemas.microsoft.com/office/powerpoint/2010/main" val="3857381849"/>
+      </p:ext>
+    </p:extLst>
+  </p:cSld>
+  <p:clrMapOvr>
+    <a:masterClrMapping/>
+  </p:clrMapOvr>
+</p:sld>
+</file>
+
+<file path=ppt/slides/slide18.xml><?xml version="1.0" encoding="utf-8"?>
+<p:sld xmlns:a="http://schemas.openxmlformats.org/drawingml/2006/main" xmlns:r="http://schemas.openxmlformats.org/officeDocument/2006/relationships" xmlns:p="http://schemas.openxmlformats.org/presentationml/2006/main">
+  <p:cSld>
+    <p:spTree>
+      <p:nvGrpSpPr>
+        <p:cNvPr id="1" name=""/>
+        <p:cNvGrpSpPr/>
+        <p:nvPr/>
+      </p:nvGrpSpPr>
+      <p:grpSpPr>
+        <a:xfrm>
+          <a:off x="0" y="0"/>
+          <a:ext cx="0" cy="0"/>
+          <a:chOff x="0" y="0"/>
+          <a:chExt cx="0" cy="0"/>
+        </a:xfrm>
+      </p:grpSpPr>
+      <p:sp>
+        <p:nvSpPr>
+          <p:cNvPr id="2" name="标题 1"/>
+          <p:cNvSpPr>
+            <a:spLocks noGrp="1"/>
+          </p:cNvSpPr>
+          <p:nvPr>
+            <p:ph type="title"/>
+          </p:nvPr>
+        </p:nvSpPr>
+        <p:spPr/>
+        <p:txBody>
+          <a:bodyPr/>
+          <a:lstStyle/>
+          <a:p>
+            <a:r>
+              <a:rPr lang="zh-CN" altLang="en-US" dirty="0" smtClean="0"/>
+              <a:t>法线贴图</a:t>
+            </a:r>
+            <a:endParaRPr lang="zh-CN" altLang="en-US" dirty="0"/>
+          </a:p>
+        </p:txBody>
+      </p:sp>
+      <p:sp>
+        <p:nvSpPr>
+          <p:cNvPr id="3" name="内容占位符 2"/>
+          <p:cNvSpPr>
+            <a:spLocks noGrp="1"/>
+          </p:cNvSpPr>
+          <p:nvPr>
+            <p:ph idx="1"/>
+          </p:nvPr>
+        </p:nvSpPr>
+        <p:spPr/>
+        <p:txBody>
+          <a:bodyPr/>
+          <a:lstStyle/>
+          <a:p>
+            <a:r>
+              <a:rPr lang="zh-CN" altLang="en-US" dirty="0" smtClean="0"/>
+              <a:t>模型由三角面组成，细小的三角面逼近模型的真实表面情况</a:t>
+            </a:r>
+            <a:endParaRPr lang="en-US" altLang="zh-CN" dirty="0" smtClean="0"/>
+          </a:p>
+          <a:p>
+            <a:r>
+              <a:rPr lang="zh-CN" altLang="en-US" dirty="0" smtClean="0"/>
+              <a:t>实时渲染领域，受限于性能，要控制面数，即模型上三角面的个数</a:t>
+            </a:r>
+            <a:endParaRPr lang="zh-CN" altLang="en-US" dirty="0"/>
+          </a:p>
+        </p:txBody>
+      </p:sp>
+      <p:pic>
+        <p:nvPicPr>
+          <p:cNvPr id="4" name="图片 3"/>
+          <p:cNvPicPr>
+            <a:picLocks noChangeAspect="1"/>
+          </p:cNvPicPr>
+          <p:nvPr/>
+        </p:nvPicPr>
+        <p:blipFill>
+          <a:blip r:embed="rId2">
+            <a:extLst>
+              <a:ext uri="{28A0092B-C50C-407E-A947-70E740481C1C}">
+                <a14:useLocalDpi xmlns:a14="http://schemas.microsoft.com/office/drawing/2010/main" val="0"/>
+              </a:ext>
+            </a:extLst>
+          </a:blip>
+          <a:stretch>
+            <a:fillRect/>
+          </a:stretch>
+        </p:blipFill>
+        <p:spPr>
+          <a:xfrm>
+            <a:off x="2323700" y="3394553"/>
+            <a:ext cx="4615718" cy="2453884"/>
+          </a:xfrm>
+          <a:prstGeom prst="rect">
+            <a:avLst/>
+          </a:prstGeom>
+        </p:spPr>
+      </p:pic>
+    </p:spTree>
+    <p:extLst>
+      <p:ext uri="{BB962C8B-B14F-4D97-AF65-F5344CB8AC3E}">
+        <p14:creationId xmlns:p14="http://schemas.microsoft.com/office/powerpoint/2010/main" val="248838539"/>
+      </p:ext>
+    </p:extLst>
+  </p:cSld>
+  <p:clrMapOvr>
+    <a:masterClrMapping/>
+  </p:clrMapOvr>
+</p:sld>
+</file>
+
+<file path=ppt/slides/slide19.xml><?xml version="1.0" encoding="utf-8"?>
+<p:sld xmlns:a="http://schemas.openxmlformats.org/drawingml/2006/main" xmlns:r="http://schemas.openxmlformats.org/officeDocument/2006/relationships" xmlns:p="http://schemas.openxmlformats.org/presentationml/2006/main">
+  <p:cSld>
+    <p:spTree>
+      <p:nvGrpSpPr>
+        <p:cNvPr id="1" name=""/>
+        <p:cNvGrpSpPr/>
+        <p:nvPr/>
+      </p:nvGrpSpPr>
+      <p:grpSpPr>
+        <a:xfrm>
+          <a:off x="0" y="0"/>
+          <a:ext cx="0" cy="0"/>
+          <a:chOff x="0" y="0"/>
+          <a:chExt cx="0" cy="0"/>
+        </a:xfrm>
+      </p:grpSpPr>
+      <p:sp>
+        <p:nvSpPr>
+          <p:cNvPr id="2" name="标题 1"/>
+          <p:cNvSpPr>
+            <a:spLocks noGrp="1"/>
+          </p:cNvSpPr>
+          <p:nvPr>
+            <p:ph type="title"/>
+          </p:nvPr>
+        </p:nvSpPr>
+        <p:spPr/>
+        <p:txBody>
+          <a:bodyPr/>
+          <a:lstStyle/>
+          <a:p>
+            <a:r>
+              <a:rPr lang="zh-CN" altLang="en-US" dirty="0" smtClean="0"/>
+              <a:t>法线贴图</a:t>
+            </a:r>
+            <a:endParaRPr lang="zh-CN" altLang="en-US" dirty="0"/>
+          </a:p>
+        </p:txBody>
+      </p:sp>
+      <p:sp>
+        <p:nvSpPr>
+          <p:cNvPr id="3" name="内容占位符 2"/>
+          <p:cNvSpPr>
+            <a:spLocks noGrp="1"/>
+          </p:cNvSpPr>
+          <p:nvPr>
+            <p:ph idx="1"/>
+          </p:nvPr>
+        </p:nvSpPr>
+        <p:spPr/>
+        <p:txBody>
+          <a:bodyPr/>
+          <a:lstStyle/>
+          <a:p>
+            <a:r>
+              <a:rPr lang="zh-CN" altLang="en-US" dirty="0" smtClean="0"/>
+              <a:t>从高模中烘焙生成法线贴图，增加细节</a:t>
+            </a:r>
+            <a:endParaRPr lang="zh-CN" altLang="en-US" dirty="0"/>
+          </a:p>
+        </p:txBody>
+      </p:sp>
+      <p:pic>
+        <p:nvPicPr>
+          <p:cNvPr id="4" name="图片 3"/>
+          <p:cNvPicPr>
+            <a:picLocks noChangeAspect="1"/>
+          </p:cNvPicPr>
+          <p:nvPr/>
+        </p:nvPicPr>
+        <p:blipFill>
+          <a:blip r:embed="rId2">
+            <a:extLst>
+              <a:ext uri="{28A0092B-C50C-407E-A947-70E740481C1C}">
+                <a14:useLocalDpi xmlns:a14="http://schemas.microsoft.com/office/drawing/2010/main" val="0"/>
+              </a:ext>
+            </a:extLst>
+          </a:blip>
+          <a:stretch>
+            <a:fillRect/>
+          </a:stretch>
+        </p:blipFill>
+        <p:spPr>
+          <a:xfrm>
+            <a:off x="1233301" y="2630465"/>
+            <a:ext cx="4895608" cy="2770993"/>
+          </a:xfrm>
+          <a:prstGeom prst="rect">
+            <a:avLst/>
+          </a:prstGeom>
+        </p:spPr>
+      </p:pic>
+      <p:pic>
+        <p:nvPicPr>
+          <p:cNvPr id="5" name="图片 4"/>
+          <p:cNvPicPr>
+            <a:picLocks noChangeAspect="1"/>
+          </p:cNvPicPr>
+          <p:nvPr/>
+        </p:nvPicPr>
+        <p:blipFill>
+          <a:blip r:embed="rId3">
+            <a:extLst>
+              <a:ext uri="{28A0092B-C50C-407E-A947-70E740481C1C}">
+                <a14:useLocalDpi xmlns:a14="http://schemas.microsoft.com/office/drawing/2010/main" val="0"/>
+              </a:ext>
+            </a:extLst>
+          </a:blip>
+          <a:stretch>
+            <a:fillRect/>
+          </a:stretch>
+        </p:blipFill>
+        <p:spPr>
+          <a:xfrm>
+            <a:off x="6390952" y="2648717"/>
+            <a:ext cx="4962848" cy="2752741"/>
+          </a:xfrm>
+          <a:prstGeom prst="rect">
+            <a:avLst/>
+          </a:prstGeom>
+        </p:spPr>
+      </p:pic>
+    </p:spTree>
+    <p:extLst>
+      <p:ext uri="{BB962C8B-B14F-4D97-AF65-F5344CB8AC3E}">
+        <p14:creationId xmlns:p14="http://schemas.microsoft.com/office/powerpoint/2010/main" val="4186271360"/>
+      </p:ext>
+    </p:extLst>
+  </p:cSld>
+  <p:clrMapOvr>
+    <a:masterClrMapping/>
+  </p:clrMapOvr>
+</p:sld>
+</file>
+
 <file path=ppt/slides/slide2.xml><?xml version="1.0" encoding="utf-8"?>
 <p:sld xmlns:a="http://schemas.openxmlformats.org/drawingml/2006/main" xmlns:r="http://schemas.openxmlformats.org/officeDocument/2006/relationships" xmlns:p="http://schemas.openxmlformats.org/presentationml/2006/main">
   <p:cSld>
@@ -6752,6 +7113,178 @@
     <p:extLst>
       <p:ext uri="{BB962C8B-B14F-4D97-AF65-F5344CB8AC3E}">
         <p14:creationId xmlns:p14="http://schemas.microsoft.com/office/powerpoint/2010/main" val="347457569"/>
+      </p:ext>
+    </p:extLst>
+  </p:cSld>
+  <p:clrMapOvr>
+    <a:masterClrMapping/>
+  </p:clrMapOvr>
+</p:sld>
+</file>
+
+<file path=ppt/slides/slide20.xml><?xml version="1.0" encoding="utf-8"?>
+<p:sld xmlns:a="http://schemas.openxmlformats.org/drawingml/2006/main" xmlns:r="http://schemas.openxmlformats.org/officeDocument/2006/relationships" xmlns:p="http://schemas.openxmlformats.org/presentationml/2006/main">
+  <p:cSld>
+    <p:spTree>
+      <p:nvGrpSpPr>
+        <p:cNvPr id="1" name=""/>
+        <p:cNvGrpSpPr/>
+        <p:nvPr/>
+      </p:nvGrpSpPr>
+      <p:grpSpPr>
+        <a:xfrm>
+          <a:off x="0" y="0"/>
+          <a:ext cx="0" cy="0"/>
+          <a:chOff x="0" y="0"/>
+          <a:chExt cx="0" cy="0"/>
+        </a:xfrm>
+      </p:grpSpPr>
+      <p:sp>
+        <p:nvSpPr>
+          <p:cNvPr id="2" name="标题 1"/>
+          <p:cNvSpPr>
+            <a:spLocks noGrp="1"/>
+          </p:cNvSpPr>
+          <p:nvPr>
+            <p:ph type="title"/>
+          </p:nvPr>
+        </p:nvSpPr>
+        <p:spPr/>
+        <p:txBody>
+          <a:bodyPr/>
+          <a:lstStyle/>
+          <a:p>
+            <a:r>
+              <a:rPr lang="en-US" altLang="zh-CN" dirty="0" smtClean="0"/>
+              <a:t>PBR</a:t>
+            </a:r>
+            <a:r>
+              <a:rPr lang="zh-CN" altLang="en-US" dirty="0" smtClean="0"/>
+              <a:t>贴图</a:t>
+            </a:r>
+            <a:endParaRPr lang="zh-CN" altLang="en-US" dirty="0"/>
+          </a:p>
+        </p:txBody>
+      </p:sp>
+      <p:pic>
+        <p:nvPicPr>
+          <p:cNvPr id="4" name="内容占位符 3"/>
+          <p:cNvPicPr>
+            <a:picLocks noGrp="1" noChangeAspect="1"/>
+          </p:cNvPicPr>
+          <p:nvPr>
+            <p:ph idx="1"/>
+          </p:nvPr>
+        </p:nvPicPr>
+        <p:blipFill>
+          <a:blip r:embed="rId2">
+            <a:extLst>
+              <a:ext uri="{28A0092B-C50C-407E-A947-70E740481C1C}">
+                <a14:useLocalDpi xmlns:a14="http://schemas.microsoft.com/office/drawing/2010/main" val="0"/>
+              </a:ext>
+            </a:extLst>
+          </a:blip>
+          <a:stretch>
+            <a:fillRect/>
+          </a:stretch>
+        </p:blipFill>
+        <p:spPr>
+          <a:xfrm>
+            <a:off x="1726879" y="1988464"/>
+            <a:ext cx="7911524" cy="4351338"/>
+          </a:xfrm>
+        </p:spPr>
+      </p:pic>
+    </p:spTree>
+    <p:extLst>
+      <p:ext uri="{BB962C8B-B14F-4D97-AF65-F5344CB8AC3E}">
+        <p14:creationId xmlns:p14="http://schemas.microsoft.com/office/powerpoint/2010/main" val="3448140021"/>
+      </p:ext>
+    </p:extLst>
+  </p:cSld>
+  <p:clrMapOvr>
+    <a:masterClrMapping/>
+  </p:clrMapOvr>
+</p:sld>
+</file>
+
+<file path=ppt/slides/slide21.xml><?xml version="1.0" encoding="utf-8"?>
+<p:sld xmlns:a="http://schemas.openxmlformats.org/drawingml/2006/main" xmlns:r="http://schemas.openxmlformats.org/officeDocument/2006/relationships" xmlns:p="http://schemas.openxmlformats.org/presentationml/2006/main">
+  <p:cSld>
+    <p:spTree>
+      <p:nvGrpSpPr>
+        <p:cNvPr id="1" name=""/>
+        <p:cNvGrpSpPr/>
+        <p:nvPr/>
+      </p:nvGrpSpPr>
+      <p:grpSpPr>
+        <a:xfrm>
+          <a:off x="0" y="0"/>
+          <a:ext cx="0" cy="0"/>
+          <a:chOff x="0" y="0"/>
+          <a:chExt cx="0" cy="0"/>
+        </a:xfrm>
+      </p:grpSpPr>
+      <p:sp>
+        <p:nvSpPr>
+          <p:cNvPr id="2" name="标题 1"/>
+          <p:cNvSpPr>
+            <a:spLocks noGrp="1"/>
+          </p:cNvSpPr>
+          <p:nvPr>
+            <p:ph type="title"/>
+          </p:nvPr>
+        </p:nvSpPr>
+        <p:spPr/>
+        <p:txBody>
+          <a:bodyPr/>
+          <a:lstStyle/>
+          <a:p>
+            <a:r>
+              <a:rPr lang="en-US" altLang="zh-CN" dirty="0" smtClean="0"/>
+              <a:t>Unity PBR</a:t>
+            </a:r>
+            <a:r>
+              <a:rPr lang="zh-CN" altLang="en-US" dirty="0" smtClean="0"/>
+              <a:t>光照调整</a:t>
+            </a:r>
+            <a:endParaRPr lang="zh-CN" altLang="en-US" dirty="0"/>
+          </a:p>
+        </p:txBody>
+      </p:sp>
+      <p:pic>
+        <p:nvPicPr>
+          <p:cNvPr id="4" name="内容占位符 3"/>
+          <p:cNvPicPr>
+            <a:picLocks noGrp="1" noChangeAspect="1"/>
+          </p:cNvPicPr>
+          <p:nvPr>
+            <p:ph idx="1"/>
+          </p:nvPr>
+        </p:nvPicPr>
+        <p:blipFill>
+          <a:blip r:embed="rId2">
+            <a:extLst>
+              <a:ext uri="{28A0092B-C50C-407E-A947-70E740481C1C}">
+                <a14:useLocalDpi xmlns:a14="http://schemas.microsoft.com/office/drawing/2010/main" val="0"/>
+              </a:ext>
+            </a:extLst>
+          </a:blip>
+          <a:stretch>
+            <a:fillRect/>
+          </a:stretch>
+        </p:blipFill>
+        <p:spPr>
+          <a:xfrm>
+            <a:off x="1319701" y="1525000"/>
+            <a:ext cx="4529954" cy="5026112"/>
+          </a:xfrm>
+        </p:spPr>
+      </p:pic>
+    </p:spTree>
+    <p:extLst>
+      <p:ext uri="{BB962C8B-B14F-4D97-AF65-F5344CB8AC3E}">
+        <p14:creationId xmlns:p14="http://schemas.microsoft.com/office/powerpoint/2010/main" val="1119653130"/>
       </p:ext>
     </p:extLst>
   </p:cSld>

--- a/PBR_光照原理.pptx
+++ b/PBR_光照原理.pptx
@@ -25,7 +25,6 @@
     <p:sldId id="272" r:id="rId19"/>
     <p:sldId id="274" r:id="rId20"/>
     <p:sldId id="275" r:id="rId21"/>
-    <p:sldId id="276" r:id="rId22"/>
   </p:sldIdLst>
   <p:sldSz cx="12192000" cy="6858000"/>
   <p:notesSz cx="6858000" cy="9144000"/>
@@ -7199,92 +7198,6 @@
     <p:extLst>
       <p:ext uri="{BB962C8B-B14F-4D97-AF65-F5344CB8AC3E}">
         <p14:creationId xmlns:p14="http://schemas.microsoft.com/office/powerpoint/2010/main" val="3448140021"/>
-      </p:ext>
-    </p:extLst>
-  </p:cSld>
-  <p:clrMapOvr>
-    <a:masterClrMapping/>
-  </p:clrMapOvr>
-</p:sld>
-</file>
-
-<file path=ppt/slides/slide21.xml><?xml version="1.0" encoding="utf-8"?>
-<p:sld xmlns:a="http://schemas.openxmlformats.org/drawingml/2006/main" xmlns:r="http://schemas.openxmlformats.org/officeDocument/2006/relationships" xmlns:p="http://schemas.openxmlformats.org/presentationml/2006/main">
-  <p:cSld>
-    <p:spTree>
-      <p:nvGrpSpPr>
-        <p:cNvPr id="1" name=""/>
-        <p:cNvGrpSpPr/>
-        <p:nvPr/>
-      </p:nvGrpSpPr>
-      <p:grpSpPr>
-        <a:xfrm>
-          <a:off x="0" y="0"/>
-          <a:ext cx="0" cy="0"/>
-          <a:chOff x="0" y="0"/>
-          <a:chExt cx="0" cy="0"/>
-        </a:xfrm>
-      </p:grpSpPr>
-      <p:sp>
-        <p:nvSpPr>
-          <p:cNvPr id="2" name="标题 1"/>
-          <p:cNvSpPr>
-            <a:spLocks noGrp="1"/>
-          </p:cNvSpPr>
-          <p:nvPr>
-            <p:ph type="title"/>
-          </p:nvPr>
-        </p:nvSpPr>
-        <p:spPr/>
-        <p:txBody>
-          <a:bodyPr/>
-          <a:lstStyle/>
-          <a:p>
-            <a:r>
-              <a:rPr lang="en-US" altLang="zh-CN" dirty="0" smtClean="0"/>
-              <a:t>Unity PBR</a:t>
-            </a:r>
-            <a:r>
-              <a:rPr lang="zh-CN" altLang="en-US" dirty="0" smtClean="0"/>
-              <a:t>光照调整</a:t>
-            </a:r>
-            <a:endParaRPr lang="zh-CN" altLang="en-US" dirty="0"/>
-          </a:p>
-        </p:txBody>
-      </p:sp>
-      <p:pic>
-        <p:nvPicPr>
-          <p:cNvPr id="4" name="内容占位符 3"/>
-          <p:cNvPicPr>
-            <a:picLocks noGrp="1" noChangeAspect="1"/>
-          </p:cNvPicPr>
-          <p:nvPr>
-            <p:ph idx="1"/>
-          </p:nvPr>
-        </p:nvPicPr>
-        <p:blipFill>
-          <a:blip r:embed="rId2">
-            <a:extLst>
-              <a:ext uri="{28A0092B-C50C-407E-A947-70E740481C1C}">
-                <a14:useLocalDpi xmlns:a14="http://schemas.microsoft.com/office/drawing/2010/main" val="0"/>
-              </a:ext>
-            </a:extLst>
-          </a:blip>
-          <a:stretch>
-            <a:fillRect/>
-          </a:stretch>
-        </p:blipFill>
-        <p:spPr>
-          <a:xfrm>
-            <a:off x="1319701" y="1525000"/>
-            <a:ext cx="4529954" cy="5026112"/>
-          </a:xfrm>
-        </p:spPr>
-      </p:pic>
-    </p:spTree>
-    <p:extLst>
-      <p:ext uri="{BB962C8B-B14F-4D97-AF65-F5344CB8AC3E}">
-        <p14:creationId xmlns:p14="http://schemas.microsoft.com/office/powerpoint/2010/main" val="1119653130"/>
       </p:ext>
     </p:extLst>
   </p:cSld>
